--- a/Sample slide deck.pptx
+++ b/Sample slide deck.pptx
@@ -5,11 +5,10 @@
     <p:sldMasterId id="2147483660" r:id="rId4"/>
   </p:sldMasterIdLst>
   <p:notesMasterIdLst>
-    <p:notesMasterId r:id="rId7"/>
+    <p:notesMasterId r:id="rId6"/>
   </p:notesMasterIdLst>
   <p:sldIdLst>
     <p:sldId id="534" r:id="rId5"/>
-    <p:sldId id="535" r:id="rId6"/>
   </p:sldIdLst>
   <p:sldSz cx="12192000" cy="6858000"/>
   <p:notesSz cx="6858000" cy="9144000"/>
@@ -125,6 +124,27 @@
     </p:ext>
   </p:extLst>
 </p:presentation>
+</file>
+
+<file path=ppt/changesInfos/changesInfo1.xml><?xml version="1.0" encoding="utf-8"?>
+<pc:chgInfo xmlns:a="http://schemas.openxmlformats.org/drawingml/2006/main" xmlns:r="http://schemas.openxmlformats.org/officeDocument/2006/relationships" xmlns:ac="http://schemas.microsoft.com/office/drawing/2013/main/command" xmlns:pc="http://schemas.microsoft.com/office/powerpoint/2013/main/command">
+  <pc:docChgLst>
+    <pc:chgData name="Craig DesBrisay, P.Eng." userId="519fbd9c-ccc5-4316-a93a-9e5068442aa5" providerId="ADAL" clId="{13077B9C-EEB7-46B1-A67C-C2B593326417}"/>
+    <pc:docChg chg="delSld">
+      <pc:chgData name="Craig DesBrisay, P.Eng." userId="519fbd9c-ccc5-4316-a93a-9e5068442aa5" providerId="ADAL" clId="{13077B9C-EEB7-46B1-A67C-C2B593326417}" dt="2021-03-03T22:07:15.145" v="0" actId="47"/>
+      <pc:docMkLst>
+        <pc:docMk/>
+      </pc:docMkLst>
+      <pc:sldChg chg="del">
+        <pc:chgData name="Craig DesBrisay, P.Eng." userId="519fbd9c-ccc5-4316-a93a-9e5068442aa5" providerId="ADAL" clId="{13077B9C-EEB7-46B1-A67C-C2B593326417}" dt="2021-03-03T22:07:15.145" v="0" actId="47"/>
+        <pc:sldMkLst>
+          <pc:docMk/>
+          <pc:sldMk cId="917409932" sldId="535"/>
+        </pc:sldMkLst>
+      </pc:sldChg>
+    </pc:docChg>
+  </pc:docChgLst>
+</pc:chgInfo>
 </file>
 
 <file path=ppt/notesMasters/notesMaster1.xml><?xml version="1.0" encoding="utf-8"?>
@@ -4054,127 +4074,6 @@
     <p:extLst>
       <p:ext uri="{BB962C8B-B14F-4D97-AF65-F5344CB8AC3E}">
         <p14:creationId xmlns:p14="http://schemas.microsoft.com/office/powerpoint/2010/main" val="2209919994"/>
-      </p:ext>
-    </p:extLst>
-  </p:cSld>
-  <p:clrMapOvr>
-    <a:masterClrMapping/>
-  </p:clrMapOvr>
-</p:sld>
-</file>
-
-<file path=ppt/slides/slide2.xml><?xml version="1.0" encoding="utf-8"?>
-<p:sld xmlns:a="http://schemas.openxmlformats.org/drawingml/2006/main" xmlns:r="http://schemas.openxmlformats.org/officeDocument/2006/relationships" xmlns:p="http://schemas.openxmlformats.org/presentationml/2006/main">
-  <p:cSld>
-    <p:bg>
-      <p:bgPr>
-        <a:solidFill>
-          <a:srgbClr val="A6A6A6"/>
-        </a:solidFill>
-        <a:effectLst/>
-      </p:bgPr>
-    </p:bg>
-    <p:spTree>
-      <p:nvGrpSpPr>
-        <p:cNvPr id="1" name=""/>
-        <p:cNvGrpSpPr/>
-        <p:nvPr/>
-      </p:nvGrpSpPr>
-      <p:grpSpPr>
-        <a:xfrm>
-          <a:off x="0" y="0"/>
-          <a:ext cx="0" cy="0"/>
-          <a:chOff x="0" y="0"/>
-          <a:chExt cx="0" cy="0"/>
-        </a:xfrm>
-      </p:grpSpPr>
-      <p:sp>
-        <p:nvSpPr>
-          <p:cNvPr id="5" name="Title 4">
-            <a:extLst>
-              <a:ext uri="{FF2B5EF4-FFF2-40B4-BE49-F238E27FC236}">
-                <a16:creationId xmlns:a16="http://schemas.microsoft.com/office/drawing/2014/main" id="{57F74D85-581C-4BA1-AFD7-C045649518CA}"/>
-              </a:ext>
-            </a:extLst>
-          </p:cNvPr>
-          <p:cNvSpPr>
-            <a:spLocks noGrp="1"/>
-          </p:cNvSpPr>
-          <p:nvPr>
-            <p:ph type="title"/>
-          </p:nvPr>
-        </p:nvSpPr>
-        <p:spPr/>
-        <p:txBody>
-          <a:bodyPr/>
-          <a:lstStyle/>
-          <a:p>
-            <a:r>
-              <a:rPr lang="en-US" dirty="0"/>
-              <a:t>Customize this Template</a:t>
-            </a:r>
-          </a:p>
-        </p:txBody>
-      </p:sp>
-      <p:sp>
-        <p:nvSpPr>
-          <p:cNvPr id="6" name="Text Placeholder 5">
-            <a:extLst>
-              <a:ext uri="{FF2B5EF4-FFF2-40B4-BE49-F238E27FC236}">
-                <a16:creationId xmlns:a16="http://schemas.microsoft.com/office/drawing/2014/main" id="{9150A705-5D5E-45FB-AA4C-76C816F18ED9}"/>
-              </a:ext>
-            </a:extLst>
-          </p:cNvPr>
-          <p:cNvSpPr>
-            <a:spLocks noGrp="1"/>
-          </p:cNvSpPr>
-          <p:nvPr>
-            <p:ph type="body" sz="quarter" idx="13"/>
-          </p:nvPr>
-        </p:nvSpPr>
-        <p:spPr/>
-        <p:txBody>
-          <a:bodyPr/>
-          <a:lstStyle/>
-          <a:p>
-            <a:r>
-              <a:rPr lang="en-US" sz="3599" b="1" dirty="0">
-                <a:cs typeface="Arial" panose="020B0604020202020204" pitchFamily="34" charset="0"/>
-                <a:hlinkClick r:id="rId2">
-                  <a:extLst>
-                    <a:ext uri="{A12FA001-AC4F-418D-AE19-62706E023703}">
-                      <ahyp:hlinkClr xmlns:ahyp="http://schemas.microsoft.com/office/drawing/2018/hyperlinkcolor" val="tx"/>
-                    </a:ext>
-                  </a:extLst>
-                </a:hlinkClick>
-              </a:rPr>
-              <a:t>Template editing instructions </a:t>
-            </a:r>
-          </a:p>
-          <a:p>
-            <a:r>
-              <a:rPr lang="en-US" sz="3599" b="1" dirty="0">
-                <a:cs typeface="Arial" panose="020B0604020202020204" pitchFamily="34" charset="0"/>
-                <a:hlinkClick r:id="rId2">
-                  <a:extLst>
-                    <a:ext uri="{A12FA001-AC4F-418D-AE19-62706E023703}">
-                      <ahyp:hlinkClr xmlns:ahyp="http://schemas.microsoft.com/office/drawing/2018/hyperlinkcolor" val="tx"/>
-                    </a:ext>
-                  </a:extLst>
-                </a:hlinkClick>
-              </a:rPr>
-              <a:t>and feedback</a:t>
-            </a:r>
-            <a:endParaRPr lang="en-US" sz="3599" b="1" dirty="0">
-              <a:cs typeface="Arial" panose="020B0604020202020204" pitchFamily="34" charset="0"/>
-            </a:endParaRPr>
-          </a:p>
-        </p:txBody>
-      </p:sp>
-    </p:spTree>
-    <p:extLst>
-      <p:ext uri="{BB962C8B-B14F-4D97-AF65-F5344CB8AC3E}">
-        <p14:creationId xmlns:p14="http://schemas.microsoft.com/office/powerpoint/2010/main" val="917409932"/>
       </p:ext>
     </p:extLst>
   </p:cSld>
@@ -4764,23 +4663,6 @@
 </file>
 
 <file path=customXml/item1.xml><?xml version="1.0" encoding="utf-8"?>
-<p:properties xmlns:p="http://schemas.microsoft.com/office/2006/metadata/properties" xmlns:xsi="http://www.w3.org/2001/XMLSchema-instance" xmlns:pc="http://schemas.microsoft.com/office/infopath/2007/PartnerControls">
-  <documentManagement>
-    <MediaServiceKeyPoints xmlns="71af3243-3dd4-4a8d-8c0d-dd76da1f02a5" xsi:nil="true"/>
-  </documentManagement>
-</p:properties>
-</file>
-
-<file path=customXml/item2.xml><?xml version="1.0" encoding="utf-8"?>
-<?mso-contentType ?>
-<FormTemplates xmlns="http://schemas.microsoft.com/sharepoint/v3/contenttype/forms">
-  <Display>DocumentLibraryForm</Display>
-  <Edit>DocumentLibraryForm</Edit>
-  <New>DocumentLibraryForm</New>
-</FormTemplates>
-</file>
-
-<file path=customXml/item3.xml><?xml version="1.0" encoding="utf-8"?>
 <ct:contentTypeSchema xmlns:ct="http://schemas.microsoft.com/office/2006/metadata/contentType" xmlns:ma="http://schemas.microsoft.com/office/2006/metadata/properties/metaAttributes" ct:_="" ma:_="" ma:contentTypeName="Document" ma:contentTypeID="0x01010079F111ED35F8CC479449609E8A0923A6" ma:contentTypeVersion="11" ma:contentTypeDescription="Create a new document." ma:contentTypeScope="" ma:versionID="96291512c1ee715ab617f4c07df79fc1">
   <xsd:schema xmlns:xsd="http://www.w3.org/2001/XMLSchema" xmlns:xs="http://www.w3.org/2001/XMLSchema" xmlns:p="http://schemas.microsoft.com/office/2006/metadata/properties" xmlns:ns2="71af3243-3dd4-4a8d-8c0d-dd76da1f02a5" xmlns:ns3="16c05727-aa75-4e4a-9b5f-8a80a1165891" targetNamespace="http://schemas.microsoft.com/office/2006/metadata/properties" ma:root="true" ma:fieldsID="8256c27c40ca5c40ce1cf6c44f0205df" ns2:_="" ns3:_="">
     <xsd:import namespace="71af3243-3dd4-4a8d-8c0d-dd76da1f02a5"/>
@@ -4991,25 +4873,24 @@
 </ct:contentTypeSchema>
 </file>
 
-<file path=customXml/itemProps1.xml><?xml version="1.0" encoding="utf-8"?>
-<ds:datastoreItem xmlns:ds="http://schemas.openxmlformats.org/officeDocument/2006/customXml" ds:itemID="{66B692D0-88A1-4B43-9F1C-C8025FF8BF16}">
-  <ds:schemaRefs>
-    <ds:schemaRef ds:uri="http://schemas.microsoft.com/office/2006/metadata/properties"/>
-    <ds:schemaRef ds:uri="http://schemas.microsoft.com/office/infopath/2007/PartnerControls"/>
-    <ds:schemaRef ds:uri="71af3243-3dd4-4a8d-8c0d-dd76da1f02a5"/>
-  </ds:schemaRefs>
-</ds:datastoreItem>
+<file path=customXml/item2.xml><?xml version="1.0" encoding="utf-8"?>
+<?mso-contentType ?>
+<FormTemplates xmlns="http://schemas.microsoft.com/sharepoint/v3/contenttype/forms">
+  <Display>DocumentLibraryForm</Display>
+  <Edit>DocumentLibraryForm</Edit>
+  <New>DocumentLibraryForm</New>
+</FormTemplates>
 </file>
 
-<file path=customXml/itemProps2.xml><?xml version="1.0" encoding="utf-8"?>
-<ds:datastoreItem xmlns:ds="http://schemas.openxmlformats.org/officeDocument/2006/customXml" ds:itemID="{A3DFE249-E077-47FE-9A3E-D6632864F14F}">
-  <ds:schemaRefs>
-    <ds:schemaRef ds:uri="http://schemas.microsoft.com/sharepoint/v3/contenttype/forms"/>
-  </ds:schemaRefs>
-</ds:datastoreItem>
+<file path=customXml/item3.xml><?xml version="1.0" encoding="utf-8"?>
+<p:properties xmlns:p="http://schemas.microsoft.com/office/2006/metadata/properties" xmlns:xsi="http://www.w3.org/2001/XMLSchema-instance" xmlns:pc="http://schemas.microsoft.com/office/infopath/2007/PartnerControls">
+  <documentManagement>
+    <MediaServiceKeyPoints xmlns="71af3243-3dd4-4a8d-8c0d-dd76da1f02a5" xsi:nil="true"/>
+  </documentManagement>
+</p:properties>
 </file>
 
-<file path=customXml/itemProps3.xml><?xml version="1.0" encoding="utf-8"?>
+<file path=customXml/itemProps1.xml><?xml version="1.0" encoding="utf-8"?>
 <ds:datastoreItem xmlns:ds="http://schemas.openxmlformats.org/officeDocument/2006/customXml" ds:itemID="{B5612F5C-0782-4C9F-A23B-A2268D501AD1}">
   <ds:schemaRefs>
     <ds:schemaRef ds:uri="http://schemas.microsoft.com/office/2006/metadata/contentType"/>
@@ -5026,4 +4907,22 @@
     <ds:schemaRef ds:uri="http://schemas.microsoft.com/internal/obd"/>
   </ds:schemaRefs>
 </ds:datastoreItem>
+</file>
+
+<file path=customXml/itemProps2.xml><?xml version="1.0" encoding="utf-8"?>
+<ds:datastoreItem xmlns:ds="http://schemas.openxmlformats.org/officeDocument/2006/customXml" ds:itemID="{A3DFE249-E077-47FE-9A3E-D6632864F14F}">
+  <ds:schemaRefs>
+    <ds:schemaRef ds:uri="http://schemas.microsoft.com/sharepoint/v3/contenttype/forms"/>
+  </ds:schemaRefs>
+</ds:datastoreItem>
+</file>
+
+<file path=customXml/itemProps3.xml><?xml version="1.0" encoding="utf-8"?>
+<ds:datastoreItem xmlns:ds="http://schemas.openxmlformats.org/officeDocument/2006/customXml" ds:itemID="{66B692D0-88A1-4B43-9F1C-C8025FF8BF16}">
+  <ds:schemaRefs>
+    <ds:schemaRef ds:uri="http://schemas.microsoft.com/office/2006/metadata/properties"/>
+    <ds:schemaRef ds:uri="http://schemas.microsoft.com/office/infopath/2007/PartnerControls"/>
+    <ds:schemaRef ds:uri="71af3243-3dd4-4a8d-8c0d-dd76da1f02a5"/>
+  </ds:schemaRefs>
+</ds:datastoreItem>
 </file>
--- a/Sample slide deck.pptx
+++ b/Sample slide deck.pptx
@@ -5,10 +5,11 @@
     <p:sldMasterId id="2147483660" r:id="rId4"/>
   </p:sldMasterIdLst>
   <p:notesMasterIdLst>
-    <p:notesMasterId r:id="rId6"/>
+    <p:notesMasterId r:id="rId7"/>
   </p:notesMasterIdLst>
   <p:sldIdLst>
     <p:sldId id="534" r:id="rId5"/>
+    <p:sldId id="535" r:id="rId6"/>
   </p:sldIdLst>
   <p:sldSz cx="12192000" cy="6858000"/>
   <p:notesSz cx="6858000" cy="9144000"/>
@@ -130,8 +131,8 @@
 <pc:chgInfo xmlns:a="http://schemas.openxmlformats.org/drawingml/2006/main" xmlns:r="http://schemas.openxmlformats.org/officeDocument/2006/relationships" xmlns:ac="http://schemas.microsoft.com/office/drawing/2013/main/command" xmlns:pc="http://schemas.microsoft.com/office/powerpoint/2013/main/command">
   <pc:docChgLst>
     <pc:chgData name="Craig DesBrisay, P.Eng." userId="519fbd9c-ccc5-4316-a93a-9e5068442aa5" providerId="ADAL" clId="{13077B9C-EEB7-46B1-A67C-C2B593326417}"/>
-    <pc:docChg chg="delSld">
-      <pc:chgData name="Craig DesBrisay, P.Eng." userId="519fbd9c-ccc5-4316-a93a-9e5068442aa5" providerId="ADAL" clId="{13077B9C-EEB7-46B1-A67C-C2B593326417}" dt="2021-03-03T22:07:15.145" v="0" actId="47"/>
+    <pc:docChg chg="addSld delSld modSld">
+      <pc:chgData name="Craig DesBrisay, P.Eng." userId="519fbd9c-ccc5-4316-a93a-9e5068442aa5" providerId="ADAL" clId="{13077B9C-EEB7-46B1-A67C-C2B593326417}" dt="2021-03-03T22:20:17.777" v="15" actId="20577"/>
       <pc:docMkLst>
         <pc:docMk/>
       </pc:docMkLst>
@@ -141,6 +142,21 @@
           <pc:docMk/>
           <pc:sldMk cId="917409932" sldId="535"/>
         </pc:sldMkLst>
+      </pc:sldChg>
+      <pc:sldChg chg="modSp new mod">
+        <pc:chgData name="Craig DesBrisay, P.Eng." userId="519fbd9c-ccc5-4316-a93a-9e5068442aa5" providerId="ADAL" clId="{13077B9C-EEB7-46B1-A67C-C2B593326417}" dt="2021-03-03T22:20:17.777" v="15" actId="20577"/>
+        <pc:sldMkLst>
+          <pc:docMk/>
+          <pc:sldMk cId="3183605108" sldId="535"/>
+        </pc:sldMkLst>
+        <pc:spChg chg="mod">
+          <ac:chgData name="Craig DesBrisay, P.Eng." userId="519fbd9c-ccc5-4316-a93a-9e5068442aa5" providerId="ADAL" clId="{13077B9C-EEB7-46B1-A67C-C2B593326417}" dt="2021-03-03T22:20:17.777" v="15" actId="20577"/>
+          <ac:spMkLst>
+            <pc:docMk/>
+            <pc:sldMk cId="3183605108" sldId="535"/>
+            <ac:spMk id="2" creationId="{25F45FD9-20B7-42B0-B57F-A60E7816035F}"/>
+          </ac:spMkLst>
+        </pc:spChg>
       </pc:sldChg>
     </pc:docChg>
   </pc:docChgLst>
@@ -4074,6 +4090,564 @@
     <p:extLst>
       <p:ext uri="{BB962C8B-B14F-4D97-AF65-F5344CB8AC3E}">
         <p14:creationId xmlns:p14="http://schemas.microsoft.com/office/powerpoint/2010/main" val="2209919994"/>
+      </p:ext>
+    </p:extLst>
+  </p:cSld>
+  <p:clrMapOvr>
+    <a:masterClrMapping/>
+  </p:clrMapOvr>
+</p:sld>
+</file>
+
+<file path=ppt/slides/slide2.xml><?xml version="1.0" encoding="utf-8"?>
+<p:sld xmlns:a="http://schemas.openxmlformats.org/drawingml/2006/main" xmlns:r="http://schemas.openxmlformats.org/officeDocument/2006/relationships" xmlns:p="http://schemas.openxmlformats.org/presentationml/2006/main">
+  <p:cSld>
+    <p:spTree>
+      <p:nvGrpSpPr>
+        <p:cNvPr id="1" name=""/>
+        <p:cNvGrpSpPr/>
+        <p:nvPr/>
+      </p:nvGrpSpPr>
+      <p:grpSpPr>
+        <a:xfrm>
+          <a:off x="0" y="0"/>
+          <a:ext cx="0" cy="0"/>
+          <a:chOff x="0" y="0"/>
+          <a:chExt cx="0" cy="0"/>
+        </a:xfrm>
+      </p:grpSpPr>
+      <p:sp>
+        <p:nvSpPr>
+          <p:cNvPr id="2" name="Title 1">
+            <a:extLst>
+              <a:ext uri="{FF2B5EF4-FFF2-40B4-BE49-F238E27FC236}">
+                <a16:creationId xmlns:a16="http://schemas.microsoft.com/office/drawing/2014/main" id="{25F45FD9-20B7-42B0-B57F-A60E7816035F}"/>
+              </a:ext>
+            </a:extLst>
+          </p:cNvPr>
+          <p:cNvSpPr>
+            <a:spLocks noGrp="1"/>
+          </p:cNvSpPr>
+          <p:nvPr>
+            <p:ph type="title"/>
+          </p:nvPr>
+        </p:nvSpPr>
+        <p:spPr/>
+        <p:txBody>
+          <a:bodyPr/>
+          <a:lstStyle/>
+          <a:p>
+            <a:r>
+              <a:rPr lang="en-CA" dirty="0"/>
+              <a:t>Test add slide</a:t>
+            </a:r>
+          </a:p>
+        </p:txBody>
+      </p:sp>
+      <p:sp>
+        <p:nvSpPr>
+          <p:cNvPr id="3" name="Text Placeholder 2">
+            <a:extLst>
+              <a:ext uri="{FF2B5EF4-FFF2-40B4-BE49-F238E27FC236}">
+                <a16:creationId xmlns:a16="http://schemas.microsoft.com/office/drawing/2014/main" id="{A3770A2B-1B43-4383-A48D-8FF28DE6B27C}"/>
+              </a:ext>
+            </a:extLst>
+          </p:cNvPr>
+          <p:cNvSpPr>
+            <a:spLocks noGrp="1"/>
+          </p:cNvSpPr>
+          <p:nvPr>
+            <p:ph type="body" sz="quarter" idx="10"/>
+          </p:nvPr>
+        </p:nvSpPr>
+        <p:spPr/>
+        <p:txBody>
+          <a:bodyPr/>
+          <a:lstStyle/>
+          <a:p>
+            <a:endParaRPr lang="en-CA"/>
+          </a:p>
+        </p:txBody>
+      </p:sp>
+      <p:sp>
+        <p:nvSpPr>
+          <p:cNvPr id="4" name="Text Placeholder 3">
+            <a:extLst>
+              <a:ext uri="{FF2B5EF4-FFF2-40B4-BE49-F238E27FC236}">
+                <a16:creationId xmlns:a16="http://schemas.microsoft.com/office/drawing/2014/main" id="{4CDD7ADA-9166-4BE1-A586-F6EB1B3A11D4}"/>
+              </a:ext>
+            </a:extLst>
+          </p:cNvPr>
+          <p:cNvSpPr>
+            <a:spLocks noGrp="1"/>
+          </p:cNvSpPr>
+          <p:nvPr>
+            <p:ph type="body" sz="quarter" idx="11"/>
+          </p:nvPr>
+        </p:nvSpPr>
+        <p:spPr/>
+        <p:txBody>
+          <a:bodyPr/>
+          <a:lstStyle/>
+          <a:p>
+            <a:endParaRPr lang="en-CA"/>
+          </a:p>
+        </p:txBody>
+      </p:sp>
+      <p:sp>
+        <p:nvSpPr>
+          <p:cNvPr id="5" name="Text Placeholder 4">
+            <a:extLst>
+              <a:ext uri="{FF2B5EF4-FFF2-40B4-BE49-F238E27FC236}">
+                <a16:creationId xmlns:a16="http://schemas.microsoft.com/office/drawing/2014/main" id="{67A94102-B2AF-4DE6-A8C1-94A3074D06A2}"/>
+              </a:ext>
+            </a:extLst>
+          </p:cNvPr>
+          <p:cNvSpPr>
+            <a:spLocks noGrp="1"/>
+          </p:cNvSpPr>
+          <p:nvPr>
+            <p:ph type="body" sz="quarter" idx="12"/>
+          </p:nvPr>
+        </p:nvSpPr>
+        <p:spPr/>
+        <p:txBody>
+          <a:bodyPr/>
+          <a:lstStyle/>
+          <a:p>
+            <a:endParaRPr lang="en-CA"/>
+          </a:p>
+        </p:txBody>
+      </p:sp>
+      <p:sp>
+        <p:nvSpPr>
+          <p:cNvPr id="6" name="Text Placeholder 5">
+            <a:extLst>
+              <a:ext uri="{FF2B5EF4-FFF2-40B4-BE49-F238E27FC236}">
+                <a16:creationId xmlns:a16="http://schemas.microsoft.com/office/drawing/2014/main" id="{D86D2D67-C150-43D6-BD2B-3BC13EAA3488}"/>
+              </a:ext>
+            </a:extLst>
+          </p:cNvPr>
+          <p:cNvSpPr>
+            <a:spLocks noGrp="1"/>
+          </p:cNvSpPr>
+          <p:nvPr>
+            <p:ph type="body" sz="quarter" idx="13"/>
+          </p:nvPr>
+        </p:nvSpPr>
+        <p:spPr/>
+        <p:txBody>
+          <a:bodyPr/>
+          <a:lstStyle/>
+          <a:p>
+            <a:endParaRPr lang="en-CA"/>
+          </a:p>
+        </p:txBody>
+      </p:sp>
+      <p:sp>
+        <p:nvSpPr>
+          <p:cNvPr id="7" name="Text Placeholder 6">
+            <a:extLst>
+              <a:ext uri="{FF2B5EF4-FFF2-40B4-BE49-F238E27FC236}">
+                <a16:creationId xmlns:a16="http://schemas.microsoft.com/office/drawing/2014/main" id="{802EAF6B-7770-4085-A2DC-CAC9DD8C0181}"/>
+              </a:ext>
+            </a:extLst>
+          </p:cNvPr>
+          <p:cNvSpPr>
+            <a:spLocks noGrp="1"/>
+          </p:cNvSpPr>
+          <p:nvPr>
+            <p:ph type="body" sz="quarter" idx="14"/>
+          </p:nvPr>
+        </p:nvSpPr>
+        <p:spPr/>
+        <p:txBody>
+          <a:bodyPr/>
+          <a:lstStyle/>
+          <a:p>
+            <a:endParaRPr lang="en-CA"/>
+          </a:p>
+        </p:txBody>
+      </p:sp>
+      <p:sp>
+        <p:nvSpPr>
+          <p:cNvPr id="8" name="Text Placeholder 7">
+            <a:extLst>
+              <a:ext uri="{FF2B5EF4-FFF2-40B4-BE49-F238E27FC236}">
+                <a16:creationId xmlns:a16="http://schemas.microsoft.com/office/drawing/2014/main" id="{E4054A8F-E89B-4BF3-9AF1-D4D2E0C7F8B4}"/>
+              </a:ext>
+            </a:extLst>
+          </p:cNvPr>
+          <p:cNvSpPr>
+            <a:spLocks noGrp="1"/>
+          </p:cNvSpPr>
+          <p:nvPr>
+            <p:ph type="body" sz="quarter" idx="15"/>
+          </p:nvPr>
+        </p:nvSpPr>
+        <p:spPr/>
+        <p:txBody>
+          <a:bodyPr/>
+          <a:lstStyle/>
+          <a:p>
+            <a:endParaRPr lang="en-CA"/>
+          </a:p>
+        </p:txBody>
+      </p:sp>
+      <p:sp>
+        <p:nvSpPr>
+          <p:cNvPr id="9" name="Text Placeholder 8">
+            <a:extLst>
+              <a:ext uri="{FF2B5EF4-FFF2-40B4-BE49-F238E27FC236}">
+                <a16:creationId xmlns:a16="http://schemas.microsoft.com/office/drawing/2014/main" id="{CB1B531A-2B3A-41D0-B9CC-45A68294FD14}"/>
+              </a:ext>
+            </a:extLst>
+          </p:cNvPr>
+          <p:cNvSpPr>
+            <a:spLocks noGrp="1"/>
+          </p:cNvSpPr>
+          <p:nvPr>
+            <p:ph type="body" sz="quarter" idx="16"/>
+          </p:nvPr>
+        </p:nvSpPr>
+        <p:spPr/>
+        <p:txBody>
+          <a:bodyPr/>
+          <a:lstStyle/>
+          <a:p>
+            <a:endParaRPr lang="en-CA"/>
+          </a:p>
+        </p:txBody>
+      </p:sp>
+      <p:sp>
+        <p:nvSpPr>
+          <p:cNvPr id="10" name="Text Placeholder 9">
+            <a:extLst>
+              <a:ext uri="{FF2B5EF4-FFF2-40B4-BE49-F238E27FC236}">
+                <a16:creationId xmlns:a16="http://schemas.microsoft.com/office/drawing/2014/main" id="{B1067984-648A-4998-AB0F-7C3335AE628F}"/>
+              </a:ext>
+            </a:extLst>
+          </p:cNvPr>
+          <p:cNvSpPr>
+            <a:spLocks noGrp="1"/>
+          </p:cNvSpPr>
+          <p:nvPr>
+            <p:ph type="body" sz="quarter" idx="17"/>
+          </p:nvPr>
+        </p:nvSpPr>
+        <p:spPr/>
+        <p:txBody>
+          <a:bodyPr/>
+          <a:lstStyle/>
+          <a:p>
+            <a:endParaRPr lang="en-CA"/>
+          </a:p>
+        </p:txBody>
+      </p:sp>
+      <p:sp>
+        <p:nvSpPr>
+          <p:cNvPr id="11" name="Text Placeholder 10">
+            <a:extLst>
+              <a:ext uri="{FF2B5EF4-FFF2-40B4-BE49-F238E27FC236}">
+                <a16:creationId xmlns:a16="http://schemas.microsoft.com/office/drawing/2014/main" id="{F9610386-3F8B-4C23-BB95-86A9D6DAE70B}"/>
+              </a:ext>
+            </a:extLst>
+          </p:cNvPr>
+          <p:cNvSpPr>
+            <a:spLocks noGrp="1"/>
+          </p:cNvSpPr>
+          <p:nvPr>
+            <p:ph type="body" sz="quarter" idx="18"/>
+          </p:nvPr>
+        </p:nvSpPr>
+        <p:spPr/>
+        <p:txBody>
+          <a:bodyPr/>
+          <a:lstStyle/>
+          <a:p>
+            <a:endParaRPr lang="en-CA"/>
+          </a:p>
+        </p:txBody>
+      </p:sp>
+      <p:sp>
+        <p:nvSpPr>
+          <p:cNvPr id="12" name="Text Placeholder 11">
+            <a:extLst>
+              <a:ext uri="{FF2B5EF4-FFF2-40B4-BE49-F238E27FC236}">
+                <a16:creationId xmlns:a16="http://schemas.microsoft.com/office/drawing/2014/main" id="{B918D59F-64C8-4194-8B09-C1FE85A19857}"/>
+              </a:ext>
+            </a:extLst>
+          </p:cNvPr>
+          <p:cNvSpPr>
+            <a:spLocks noGrp="1"/>
+          </p:cNvSpPr>
+          <p:nvPr>
+            <p:ph type="body" sz="quarter" idx="19"/>
+          </p:nvPr>
+        </p:nvSpPr>
+        <p:spPr/>
+        <p:txBody>
+          <a:bodyPr/>
+          <a:lstStyle/>
+          <a:p>
+            <a:endParaRPr lang="en-CA"/>
+          </a:p>
+        </p:txBody>
+      </p:sp>
+      <p:sp>
+        <p:nvSpPr>
+          <p:cNvPr id="13" name="Text Placeholder 12">
+            <a:extLst>
+              <a:ext uri="{FF2B5EF4-FFF2-40B4-BE49-F238E27FC236}">
+                <a16:creationId xmlns:a16="http://schemas.microsoft.com/office/drawing/2014/main" id="{B3188595-F613-43A6-BC42-77E79BA2CE50}"/>
+              </a:ext>
+            </a:extLst>
+          </p:cNvPr>
+          <p:cNvSpPr>
+            <a:spLocks noGrp="1"/>
+          </p:cNvSpPr>
+          <p:nvPr>
+            <p:ph type="body" sz="quarter" idx="20"/>
+          </p:nvPr>
+        </p:nvSpPr>
+        <p:spPr/>
+        <p:txBody>
+          <a:bodyPr/>
+          <a:lstStyle/>
+          <a:p>
+            <a:endParaRPr lang="en-CA"/>
+          </a:p>
+        </p:txBody>
+      </p:sp>
+      <p:sp>
+        <p:nvSpPr>
+          <p:cNvPr id="14" name="Text Placeholder 13">
+            <a:extLst>
+              <a:ext uri="{FF2B5EF4-FFF2-40B4-BE49-F238E27FC236}">
+                <a16:creationId xmlns:a16="http://schemas.microsoft.com/office/drawing/2014/main" id="{7B2A0F6C-0611-49AD-966F-E3AF7588F504}"/>
+              </a:ext>
+            </a:extLst>
+          </p:cNvPr>
+          <p:cNvSpPr>
+            <a:spLocks noGrp="1"/>
+          </p:cNvSpPr>
+          <p:nvPr>
+            <p:ph type="body" sz="quarter" idx="21"/>
+          </p:nvPr>
+        </p:nvSpPr>
+        <p:spPr/>
+        <p:txBody>
+          <a:bodyPr/>
+          <a:lstStyle/>
+          <a:p>
+            <a:endParaRPr lang="en-CA"/>
+          </a:p>
+        </p:txBody>
+      </p:sp>
+      <p:sp>
+        <p:nvSpPr>
+          <p:cNvPr id="15" name="Text Placeholder 14">
+            <a:extLst>
+              <a:ext uri="{FF2B5EF4-FFF2-40B4-BE49-F238E27FC236}">
+                <a16:creationId xmlns:a16="http://schemas.microsoft.com/office/drawing/2014/main" id="{D9573556-A540-4B6D-A7AB-BDD41787E3D2}"/>
+              </a:ext>
+            </a:extLst>
+          </p:cNvPr>
+          <p:cNvSpPr>
+            <a:spLocks noGrp="1"/>
+          </p:cNvSpPr>
+          <p:nvPr>
+            <p:ph type="body" sz="quarter" idx="22"/>
+          </p:nvPr>
+        </p:nvSpPr>
+        <p:spPr/>
+        <p:txBody>
+          <a:bodyPr/>
+          <a:lstStyle/>
+          <a:p>
+            <a:endParaRPr lang="en-CA"/>
+          </a:p>
+        </p:txBody>
+      </p:sp>
+      <p:sp>
+        <p:nvSpPr>
+          <p:cNvPr id="16" name="Text Placeholder 15">
+            <a:extLst>
+              <a:ext uri="{FF2B5EF4-FFF2-40B4-BE49-F238E27FC236}">
+                <a16:creationId xmlns:a16="http://schemas.microsoft.com/office/drawing/2014/main" id="{E06D7D76-E695-4F18-85BC-7E1F69B8F3FD}"/>
+              </a:ext>
+            </a:extLst>
+          </p:cNvPr>
+          <p:cNvSpPr>
+            <a:spLocks noGrp="1"/>
+          </p:cNvSpPr>
+          <p:nvPr>
+            <p:ph type="body" sz="quarter" idx="23"/>
+          </p:nvPr>
+        </p:nvSpPr>
+        <p:spPr/>
+        <p:txBody>
+          <a:bodyPr/>
+          <a:lstStyle/>
+          <a:p>
+            <a:endParaRPr lang="en-CA"/>
+          </a:p>
+        </p:txBody>
+      </p:sp>
+      <p:sp>
+        <p:nvSpPr>
+          <p:cNvPr id="17" name="Text Placeholder 16">
+            <a:extLst>
+              <a:ext uri="{FF2B5EF4-FFF2-40B4-BE49-F238E27FC236}">
+                <a16:creationId xmlns:a16="http://schemas.microsoft.com/office/drawing/2014/main" id="{4BB4676E-F380-4DFE-A174-8E789B05F71B}"/>
+              </a:ext>
+            </a:extLst>
+          </p:cNvPr>
+          <p:cNvSpPr>
+            <a:spLocks noGrp="1"/>
+          </p:cNvSpPr>
+          <p:nvPr>
+            <p:ph type="body" sz="quarter" idx="24"/>
+          </p:nvPr>
+        </p:nvSpPr>
+        <p:spPr/>
+        <p:txBody>
+          <a:bodyPr/>
+          <a:lstStyle/>
+          <a:p>
+            <a:endParaRPr lang="en-CA"/>
+          </a:p>
+        </p:txBody>
+      </p:sp>
+      <p:sp>
+        <p:nvSpPr>
+          <p:cNvPr id="18" name="Text Placeholder 17">
+            <a:extLst>
+              <a:ext uri="{FF2B5EF4-FFF2-40B4-BE49-F238E27FC236}">
+                <a16:creationId xmlns:a16="http://schemas.microsoft.com/office/drawing/2014/main" id="{7FFA387C-6245-4210-9FBB-0A0EAD5F5AFE}"/>
+              </a:ext>
+            </a:extLst>
+          </p:cNvPr>
+          <p:cNvSpPr>
+            <a:spLocks noGrp="1"/>
+          </p:cNvSpPr>
+          <p:nvPr>
+            <p:ph type="body" sz="quarter" idx="25"/>
+          </p:nvPr>
+        </p:nvSpPr>
+        <p:spPr/>
+        <p:txBody>
+          <a:bodyPr/>
+          <a:lstStyle/>
+          <a:p>
+            <a:endParaRPr lang="en-CA"/>
+          </a:p>
+        </p:txBody>
+      </p:sp>
+      <p:sp>
+        <p:nvSpPr>
+          <p:cNvPr id="19" name="Text Placeholder 18">
+            <a:extLst>
+              <a:ext uri="{FF2B5EF4-FFF2-40B4-BE49-F238E27FC236}">
+                <a16:creationId xmlns:a16="http://schemas.microsoft.com/office/drawing/2014/main" id="{D5F142B6-E36D-4118-BE81-830E351CFBD0}"/>
+              </a:ext>
+            </a:extLst>
+          </p:cNvPr>
+          <p:cNvSpPr>
+            <a:spLocks noGrp="1"/>
+          </p:cNvSpPr>
+          <p:nvPr>
+            <p:ph type="body" sz="quarter" idx="26"/>
+          </p:nvPr>
+        </p:nvSpPr>
+        <p:spPr/>
+        <p:txBody>
+          <a:bodyPr/>
+          <a:lstStyle/>
+          <a:p>
+            <a:endParaRPr lang="en-CA"/>
+          </a:p>
+        </p:txBody>
+      </p:sp>
+      <p:sp>
+        <p:nvSpPr>
+          <p:cNvPr id="20" name="Text Placeholder 19">
+            <a:extLst>
+              <a:ext uri="{FF2B5EF4-FFF2-40B4-BE49-F238E27FC236}">
+                <a16:creationId xmlns:a16="http://schemas.microsoft.com/office/drawing/2014/main" id="{572438EB-C7BD-4664-BE00-725CEC861A81}"/>
+              </a:ext>
+            </a:extLst>
+          </p:cNvPr>
+          <p:cNvSpPr>
+            <a:spLocks noGrp="1"/>
+          </p:cNvSpPr>
+          <p:nvPr>
+            <p:ph type="body" sz="quarter" idx="27"/>
+          </p:nvPr>
+        </p:nvSpPr>
+        <p:spPr/>
+        <p:txBody>
+          <a:bodyPr/>
+          <a:lstStyle/>
+          <a:p>
+            <a:endParaRPr lang="en-CA"/>
+          </a:p>
+        </p:txBody>
+      </p:sp>
+      <p:sp>
+        <p:nvSpPr>
+          <p:cNvPr id="21" name="Text Placeholder 20">
+            <a:extLst>
+              <a:ext uri="{FF2B5EF4-FFF2-40B4-BE49-F238E27FC236}">
+                <a16:creationId xmlns:a16="http://schemas.microsoft.com/office/drawing/2014/main" id="{D7C62F66-4349-482D-B54F-4AD244EC9087}"/>
+              </a:ext>
+            </a:extLst>
+          </p:cNvPr>
+          <p:cNvSpPr>
+            <a:spLocks noGrp="1"/>
+          </p:cNvSpPr>
+          <p:nvPr>
+            <p:ph type="body" sz="quarter" idx="28"/>
+          </p:nvPr>
+        </p:nvSpPr>
+        <p:spPr/>
+        <p:txBody>
+          <a:bodyPr/>
+          <a:lstStyle/>
+          <a:p>
+            <a:endParaRPr lang="en-CA"/>
+          </a:p>
+        </p:txBody>
+      </p:sp>
+      <p:sp>
+        <p:nvSpPr>
+          <p:cNvPr id="22" name="Text Placeholder 21">
+            <a:extLst>
+              <a:ext uri="{FF2B5EF4-FFF2-40B4-BE49-F238E27FC236}">
+                <a16:creationId xmlns:a16="http://schemas.microsoft.com/office/drawing/2014/main" id="{AEB3D64A-804A-45E9-AB1A-F2C3FDB4B417}"/>
+              </a:ext>
+            </a:extLst>
+          </p:cNvPr>
+          <p:cNvSpPr>
+            <a:spLocks noGrp="1"/>
+          </p:cNvSpPr>
+          <p:nvPr>
+            <p:ph type="body" sz="quarter" idx="29"/>
+          </p:nvPr>
+        </p:nvSpPr>
+        <p:spPr/>
+        <p:txBody>
+          <a:bodyPr/>
+          <a:lstStyle/>
+          <a:p>
+            <a:endParaRPr lang="en-CA"/>
+          </a:p>
+        </p:txBody>
+      </p:sp>
+    </p:spTree>
+    <p:extLst>
+      <p:ext uri="{BB962C8B-B14F-4D97-AF65-F5344CB8AC3E}">
+        <p14:creationId xmlns:p14="http://schemas.microsoft.com/office/powerpoint/2010/main" val="3183605108"/>
       </p:ext>
     </p:extLst>
   </p:cSld>
@@ -4663,6 +5237,23 @@
 </file>
 
 <file path=customXml/item1.xml><?xml version="1.0" encoding="utf-8"?>
+<p:properties xmlns:p="http://schemas.microsoft.com/office/2006/metadata/properties" xmlns:xsi="http://www.w3.org/2001/XMLSchema-instance" xmlns:pc="http://schemas.microsoft.com/office/infopath/2007/PartnerControls">
+  <documentManagement>
+    <MediaServiceKeyPoints xmlns="71af3243-3dd4-4a8d-8c0d-dd76da1f02a5" xsi:nil="true"/>
+  </documentManagement>
+</p:properties>
+</file>
+
+<file path=customXml/item2.xml><?xml version="1.0" encoding="utf-8"?>
+<?mso-contentType ?>
+<FormTemplates xmlns="http://schemas.microsoft.com/sharepoint/v3/contenttype/forms">
+  <Display>DocumentLibraryForm</Display>
+  <Edit>DocumentLibraryForm</Edit>
+  <New>DocumentLibraryForm</New>
+</FormTemplates>
+</file>
+
+<file path=customXml/item3.xml><?xml version="1.0" encoding="utf-8"?>
 <ct:contentTypeSchema xmlns:ct="http://schemas.microsoft.com/office/2006/metadata/contentType" xmlns:ma="http://schemas.microsoft.com/office/2006/metadata/properties/metaAttributes" ct:_="" ma:_="" ma:contentTypeName="Document" ma:contentTypeID="0x01010079F111ED35F8CC479449609E8A0923A6" ma:contentTypeVersion="11" ma:contentTypeDescription="Create a new document." ma:contentTypeScope="" ma:versionID="96291512c1ee715ab617f4c07df79fc1">
   <xsd:schema xmlns:xsd="http://www.w3.org/2001/XMLSchema" xmlns:xs="http://www.w3.org/2001/XMLSchema" xmlns:p="http://schemas.microsoft.com/office/2006/metadata/properties" xmlns:ns2="71af3243-3dd4-4a8d-8c0d-dd76da1f02a5" xmlns:ns3="16c05727-aa75-4e4a-9b5f-8a80a1165891" targetNamespace="http://schemas.microsoft.com/office/2006/metadata/properties" ma:root="true" ma:fieldsID="8256c27c40ca5c40ce1cf6c44f0205df" ns2:_="" ns3:_="">
     <xsd:import namespace="71af3243-3dd4-4a8d-8c0d-dd76da1f02a5"/>
@@ -4873,24 +5464,25 @@
 </ct:contentTypeSchema>
 </file>
 
-<file path=customXml/item2.xml><?xml version="1.0" encoding="utf-8"?>
-<?mso-contentType ?>
-<FormTemplates xmlns="http://schemas.microsoft.com/sharepoint/v3/contenttype/forms">
-  <Display>DocumentLibraryForm</Display>
-  <Edit>DocumentLibraryForm</Edit>
-  <New>DocumentLibraryForm</New>
-</FormTemplates>
+<file path=customXml/itemProps1.xml><?xml version="1.0" encoding="utf-8"?>
+<ds:datastoreItem xmlns:ds="http://schemas.openxmlformats.org/officeDocument/2006/customXml" ds:itemID="{66B692D0-88A1-4B43-9F1C-C8025FF8BF16}">
+  <ds:schemaRefs>
+    <ds:schemaRef ds:uri="http://schemas.microsoft.com/office/2006/metadata/properties"/>
+    <ds:schemaRef ds:uri="http://schemas.microsoft.com/office/infopath/2007/PartnerControls"/>
+    <ds:schemaRef ds:uri="71af3243-3dd4-4a8d-8c0d-dd76da1f02a5"/>
+  </ds:schemaRefs>
+</ds:datastoreItem>
 </file>
 
-<file path=customXml/item3.xml><?xml version="1.0" encoding="utf-8"?>
-<p:properties xmlns:p="http://schemas.microsoft.com/office/2006/metadata/properties" xmlns:xsi="http://www.w3.org/2001/XMLSchema-instance" xmlns:pc="http://schemas.microsoft.com/office/infopath/2007/PartnerControls">
-  <documentManagement>
-    <MediaServiceKeyPoints xmlns="71af3243-3dd4-4a8d-8c0d-dd76da1f02a5" xsi:nil="true"/>
-  </documentManagement>
-</p:properties>
+<file path=customXml/itemProps2.xml><?xml version="1.0" encoding="utf-8"?>
+<ds:datastoreItem xmlns:ds="http://schemas.openxmlformats.org/officeDocument/2006/customXml" ds:itemID="{A3DFE249-E077-47FE-9A3E-D6632864F14F}">
+  <ds:schemaRefs>
+    <ds:schemaRef ds:uri="http://schemas.microsoft.com/sharepoint/v3/contenttype/forms"/>
+  </ds:schemaRefs>
+</ds:datastoreItem>
 </file>
 
-<file path=customXml/itemProps1.xml><?xml version="1.0" encoding="utf-8"?>
+<file path=customXml/itemProps3.xml><?xml version="1.0" encoding="utf-8"?>
 <ds:datastoreItem xmlns:ds="http://schemas.openxmlformats.org/officeDocument/2006/customXml" ds:itemID="{B5612F5C-0782-4C9F-A23B-A2268D501AD1}">
   <ds:schemaRefs>
     <ds:schemaRef ds:uri="http://schemas.microsoft.com/office/2006/metadata/contentType"/>
@@ -4907,22 +5499,4 @@
     <ds:schemaRef ds:uri="http://schemas.microsoft.com/internal/obd"/>
   </ds:schemaRefs>
 </ds:datastoreItem>
-</file>
-
-<file path=customXml/itemProps2.xml><?xml version="1.0" encoding="utf-8"?>
-<ds:datastoreItem xmlns:ds="http://schemas.openxmlformats.org/officeDocument/2006/customXml" ds:itemID="{A3DFE249-E077-47FE-9A3E-D6632864F14F}">
-  <ds:schemaRefs>
-    <ds:schemaRef ds:uri="http://schemas.microsoft.com/sharepoint/v3/contenttype/forms"/>
-  </ds:schemaRefs>
-</ds:datastoreItem>
-</file>
-
-<file path=customXml/itemProps3.xml><?xml version="1.0" encoding="utf-8"?>
-<ds:datastoreItem xmlns:ds="http://schemas.openxmlformats.org/officeDocument/2006/customXml" ds:itemID="{66B692D0-88A1-4B43-9F1C-C8025FF8BF16}">
-  <ds:schemaRefs>
-    <ds:schemaRef ds:uri="http://schemas.microsoft.com/office/2006/metadata/properties"/>
-    <ds:schemaRef ds:uri="http://schemas.microsoft.com/office/infopath/2007/PartnerControls"/>
-    <ds:schemaRef ds:uri="71af3243-3dd4-4a8d-8c0d-dd76da1f02a5"/>
-  </ds:schemaRefs>
-</ds:datastoreItem>
 </file>